--- a/starter_files/Bruce/Market Movement Indicators.pptx
+++ b/starter_files/Bruce/Market Movement Indicators.pptx
@@ -6,7 +6,8 @@
   </p:sldMasterIdLst>
   <p:sldIdLst>
     <p:sldId id="256" r:id="rId2"/>
-    <p:sldId id="258" r:id="rId3"/>
+    <p:sldId id="259" r:id="rId3"/>
+    <p:sldId id="258" r:id="rId4"/>
   </p:sldIdLst>
   <p:sldSz cx="12192000" cy="6858000"/>
   <p:notesSz cx="6858000" cy="9144000"/>
@@ -105,7 +106,88 @@
       </a:defRPr>
     </a:lvl9pPr>
   </p:defaultTextStyle>
+  <p:extLst>
+    <p:ext uri="{EFAFB233-063F-42B5-8137-9DF3F51BA10A}">
+      <p15:sldGuideLst xmlns:p15="http://schemas.microsoft.com/office/powerpoint/2012/main"/>
+    </p:ext>
+  </p:extLst>
 </p:presentation>
+</file>
+
+<file path=ppt/revisionInfo.xml><?xml version="1.0" encoding="utf-8"?>
+<p1510:revInfo xmlns:a="http://schemas.openxmlformats.org/drawingml/2006/main" xmlns:r="http://schemas.openxmlformats.org/officeDocument/2006/relationships" xmlns:p1510="http://schemas.microsoft.com/office/powerpoint/2015/10/main">
+  <p1510:revLst>
+    <p1510:client id="{6AB5E631-923E-454F-ADB4-1C55126BEF8C}" v="5" dt="2020-06-20T13:36:40.603"/>
+  </p1510:revLst>
+</p1510:revInfo>
+</file>
+
+<file path=ppt/changesInfos/changesInfo1.xml><?xml version="1.0" encoding="utf-8"?>
+<pc:chgInfo xmlns:a="http://schemas.openxmlformats.org/drawingml/2006/main" xmlns:r="http://schemas.openxmlformats.org/officeDocument/2006/relationships" xmlns:ac="http://schemas.microsoft.com/office/drawing/2013/main/command" xmlns:pc="http://schemas.microsoft.com/office/powerpoint/2013/main/command">
+  <pc:docChgLst>
+    <pc:chgData name="Bruce Mark" userId="816b9cc1b8e7bb9c" providerId="LiveId" clId="{6AB5E631-923E-454F-ADB4-1C55126BEF8C}"/>
+    <pc:docChg chg="custSel addSld modSld sldOrd">
+      <pc:chgData name="Bruce Mark" userId="816b9cc1b8e7bb9c" providerId="LiveId" clId="{6AB5E631-923E-454F-ADB4-1C55126BEF8C}" dt="2020-06-20T13:37:46.789" v="97" actId="20577"/>
+      <pc:docMkLst>
+        <pc:docMk/>
+      </pc:docMkLst>
+      <pc:sldChg chg="addSp delSp modSp mod">
+        <pc:chgData name="Bruce Mark" userId="816b9cc1b8e7bb9c" providerId="LiveId" clId="{6AB5E631-923E-454F-ADB4-1C55126BEF8C}" dt="2020-06-20T13:37:46.789" v="97" actId="20577"/>
+        <pc:sldMkLst>
+          <pc:docMk/>
+          <pc:sldMk cId="3365522406" sldId="256"/>
+        </pc:sldMkLst>
+        <pc:spChg chg="mod">
+          <ac:chgData name="Bruce Mark" userId="816b9cc1b8e7bb9c" providerId="LiveId" clId="{6AB5E631-923E-454F-ADB4-1C55126BEF8C}" dt="2020-06-20T13:37:46.789" v="97" actId="20577"/>
+          <ac:spMkLst>
+            <pc:docMk/>
+            <pc:sldMk cId="3365522406" sldId="256"/>
+            <ac:spMk id="3" creationId="{D5523155-7798-48FB-B8C2-093E002DE4C2}"/>
+          </ac:spMkLst>
+        </pc:spChg>
+        <pc:spChg chg="add del mod">
+          <ac:chgData name="Bruce Mark" userId="816b9cc1b8e7bb9c" providerId="LiveId" clId="{6AB5E631-923E-454F-ADB4-1C55126BEF8C}" dt="2020-06-20T13:22:01.036" v="10" actId="21"/>
+          <ac:spMkLst>
+            <pc:docMk/>
+            <pc:sldMk cId="3365522406" sldId="256"/>
+            <ac:spMk id="4" creationId="{BEC4DA97-B742-4868-AD7B-4F2ACFBA2F35}"/>
+          </ac:spMkLst>
+        </pc:spChg>
+        <pc:spChg chg="add mod">
+          <ac:chgData name="Bruce Mark" userId="816b9cc1b8e7bb9c" providerId="LiveId" clId="{6AB5E631-923E-454F-ADB4-1C55126BEF8C}" dt="2020-06-20T13:22:34.710" v="69" actId="20577"/>
+          <ac:spMkLst>
+            <pc:docMk/>
+            <pc:sldMk cId="3365522406" sldId="256"/>
+            <ac:spMk id="5" creationId="{E67766C4-B997-4668-8E0D-E441C35E8CCC}"/>
+          </ac:spMkLst>
+        </pc:spChg>
+      </pc:sldChg>
+      <pc:sldChg chg="modSp new mod ord">
+        <pc:chgData name="Bruce Mark" userId="816b9cc1b8e7bb9c" providerId="LiveId" clId="{6AB5E631-923E-454F-ADB4-1C55126BEF8C}" dt="2020-06-20T13:36:40.603" v="95"/>
+        <pc:sldMkLst>
+          <pc:docMk/>
+          <pc:sldMk cId="307587776" sldId="259"/>
+        </pc:sldMkLst>
+        <pc:spChg chg="mod">
+          <ac:chgData name="Bruce Mark" userId="816b9cc1b8e7bb9c" providerId="LiveId" clId="{6AB5E631-923E-454F-ADB4-1C55126BEF8C}" dt="2020-06-20T13:35:46.731" v="88" actId="20577"/>
+          <ac:spMkLst>
+            <pc:docMk/>
+            <pc:sldMk cId="307587776" sldId="259"/>
+            <ac:spMk id="2" creationId="{7EBE3A37-2E1E-46AC-8577-F642D0814704}"/>
+          </ac:spMkLst>
+        </pc:spChg>
+        <pc:spChg chg="mod">
+          <ac:chgData name="Bruce Mark" userId="816b9cc1b8e7bb9c" providerId="LiveId" clId="{6AB5E631-923E-454F-ADB4-1C55126BEF8C}" dt="2020-06-20T13:36:40.603" v="95"/>
+          <ac:spMkLst>
+            <pc:docMk/>
+            <pc:sldMk cId="307587776" sldId="259"/>
+            <ac:spMk id="3" creationId="{AEA78755-E76C-4303-9F0B-74BD8A221740}"/>
+          </ac:spMkLst>
+        </pc:spChg>
+      </pc:sldChg>
+    </pc:docChg>
+  </pc:docChgLst>
+</pc:chgInfo>
 </file>
 
 <file path=ppt/slideLayouts/slideLayout1.xml><?xml version="1.0" encoding="utf-8"?>
@@ -382,7 +464,7 @@
           <a:p>
             <a:fld id="{397E0307-B85C-446A-8EF0-0407D435D787}" type="datetimeFigureOut">
               <a:rPr lang="en-US" dirty="0"/>
-              <a:t>6/19/2020</a:t>
+              <a:t>6/20/2020</a:t>
             </a:fld>
             <a:endParaRPr lang="en-US" dirty="0"/>
           </a:p>
@@ -791,7 +873,7 @@
           <a:p>
             <a:fld id="{8BD862E7-95FA-4FC4-9EC5-DDBFA8DC7417}" type="datetimeFigureOut">
               <a:rPr lang="en-US" dirty="0"/>
-              <a:t>6/19/2020</a:t>
+              <a:t>6/20/2020</a:t>
             </a:fld>
             <a:endParaRPr lang="en-US" dirty="0"/>
           </a:p>
@@ -1122,7 +1204,7 @@
           <a:p>
             <a:fld id="{8DB987F2-A784-4F72-BB57-0E9EACDE722E}" type="datetimeFigureOut">
               <a:rPr lang="en-US" dirty="0"/>
-              <a:t>6/19/2020</a:t>
+              <a:t>6/20/2020</a:t>
             </a:fld>
             <a:endParaRPr lang="en-US" dirty="0"/>
           </a:p>
@@ -1522,7 +1604,7 @@
           <a:p>
             <a:fld id="{40BBD51E-4B19-444E-85C0-DBD7EB6263F4}" type="datetimeFigureOut">
               <a:rPr lang="en-US" dirty="0"/>
-              <a:t>6/19/2020</a:t>
+              <a:t>6/20/2020</a:t>
             </a:fld>
             <a:endParaRPr lang="en-US" dirty="0"/>
           </a:p>
@@ -2085,7 +2167,7 @@
           <a:p>
             <a:fld id="{F0D7255A-4AD5-4D3E-9A0A-689DA3BA976C}" type="datetimeFigureOut">
               <a:rPr lang="en-US" dirty="0"/>
-              <a:t>6/19/2020</a:t>
+              <a:t>6/20/2020</a:t>
             </a:fld>
             <a:endParaRPr lang="en-US" dirty="0"/>
           </a:p>
@@ -2761,7 +2843,7 @@
           <a:p>
             <a:fld id="{3EE0AD15-87AC-45B2-9EE5-8D165AF83CD7}" type="datetimeFigureOut">
               <a:rPr lang="en-US" dirty="0"/>
-              <a:t>6/19/2020</a:t>
+              <a:t>6/20/2020</a:t>
             </a:fld>
             <a:endParaRPr lang="en-US" dirty="0"/>
           </a:p>
@@ -3669,7 +3751,7 @@
           <a:p>
             <a:fld id="{FCC40CCD-F0D6-4CC2-A4C8-2D7D0D875F02}" type="datetimeFigureOut">
               <a:rPr lang="en-US" dirty="0"/>
-              <a:t>6/19/2020</a:t>
+              <a:t>6/20/2020</a:t>
             </a:fld>
             <a:endParaRPr lang="en-US" dirty="0"/>
           </a:p>
@@ -3977,7 +4059,7 @@
           <a:p>
             <a:fld id="{B3CFE2CC-454D-4466-AC55-B86DA0A87BAE}" type="datetimeFigureOut">
               <a:rPr lang="en-US" dirty="0"/>
-              <a:t>6/19/2020</a:t>
+              <a:t>6/20/2020</a:t>
             </a:fld>
             <a:endParaRPr lang="en-US" dirty="0"/>
           </a:p>
@@ -4236,7 +4318,7 @@
           <a:p>
             <a:fld id="{B647B1BF-4039-460D-A637-65428CBD720E}" type="datetimeFigureOut">
               <a:rPr lang="en-US" dirty="0"/>
-              <a:t>6/19/2020</a:t>
+              <a:t>6/20/2020</a:t>
             </a:fld>
             <a:endParaRPr lang="en-US" dirty="0"/>
           </a:p>
@@ -4555,7 +4637,7 @@
           <a:p>
             <a:fld id="{AAA39ACE-9343-4EBE-B5CA-AEA240A1DC53}" type="datetimeFigureOut">
               <a:rPr lang="en-US" dirty="0"/>
-              <a:t>6/19/2020</a:t>
+              <a:t>6/20/2020</a:t>
             </a:fld>
             <a:endParaRPr lang="en-US" dirty="0"/>
           </a:p>
@@ -4939,7 +5021,7 @@
           <a:p>
             <a:fld id="{C9A00F7B-89C5-4DF7-A309-6263220147D4}" type="datetimeFigureOut">
               <a:rPr lang="en-US" dirty="0"/>
-              <a:t>6/19/2020</a:t>
+              <a:t>6/20/2020</a:t>
             </a:fld>
             <a:endParaRPr lang="en-US" dirty="0"/>
           </a:p>
@@ -5310,7 +5392,7 @@
           <a:p>
             <a:fld id="{449C95DE-FD64-4606-AE61-EC1136867CC6}" type="datetimeFigureOut">
               <a:rPr lang="en-US" dirty="0"/>
-              <a:t>6/19/2020</a:t>
+              <a:t>6/20/2020</a:t>
             </a:fld>
             <a:endParaRPr lang="en-US" dirty="0"/>
           </a:p>
@@ -5811,7 +5893,7 @@
           <a:p>
             <a:fld id="{5DEB0BBD-30FE-4CF1-900A-0C45149F8AF8}" type="datetimeFigureOut">
               <a:rPr lang="en-US" dirty="0"/>
-              <a:t>6/19/2020</a:t>
+              <a:t>6/20/2020</a:t>
             </a:fld>
             <a:endParaRPr lang="en-US" dirty="0"/>
           </a:p>
@@ -6063,7 +6145,7 @@
           <a:p>
             <a:fld id="{B91A5F7F-3E81-4C65-A4D1-CB62D5B9DB91}" type="datetimeFigureOut">
               <a:rPr lang="en-US" dirty="0"/>
-              <a:t>6/19/2020</a:t>
+              <a:t>6/20/2020</a:t>
             </a:fld>
             <a:endParaRPr lang="en-US" dirty="0"/>
           </a:p>
@@ -6221,7 +6303,7 @@
           <a:p>
             <a:fld id="{377ECC86-1672-4627-AEFE-EC5485C73905}" type="datetimeFigureOut">
               <a:rPr lang="en-US" dirty="0"/>
-              <a:t>6/19/2020</a:t>
+              <a:t>6/20/2020</a:t>
             </a:fld>
             <a:endParaRPr lang="en-US" dirty="0"/>
           </a:p>
@@ -6606,7 +6688,7 @@
           <a:p>
             <a:fld id="{3CDCB01F-D966-4C62-B900-0BE008A90C98}" type="datetimeFigureOut">
               <a:rPr lang="en-US" dirty="0"/>
-              <a:t>6/19/2020</a:t>
+              <a:t>6/20/2020</a:t>
             </a:fld>
             <a:endParaRPr lang="en-US" dirty="0"/>
           </a:p>
@@ -7010,7 +7092,7 @@
           <a:p>
             <a:fld id="{5E73A0EA-7DC7-4964-BB97-B173EF3B859A}" type="datetimeFigureOut">
               <a:rPr lang="en-US" dirty="0"/>
-              <a:t>6/19/2020</a:t>
+              <a:t>6/20/2020</a:t>
             </a:fld>
             <a:endParaRPr lang="en-US" dirty="0"/>
           </a:p>
@@ -7249,7 +7331,7 @@
           <a:p>
             <a:fld id="{30EF52CC-F3D9-41D4-BCE4-C208E61A3F31}" type="datetimeFigureOut">
               <a:rPr lang="en-US" dirty="0"/>
-              <a:t>6/19/2020</a:t>
+              <a:t>6/20/2020</a:t>
             </a:fld>
             <a:endParaRPr lang="en-US" dirty="0"/>
           </a:p>
@@ -7709,8 +7791,12 @@
           <a:lstStyle/>
           <a:p>
             <a:r>
+              <a:rPr lang="en-US"/>
+              <a:t>Copper / Gold </a:t>
+            </a:r>
+            <a:r>
               <a:rPr lang="en-US" dirty="0"/>
-              <a:t>Copper Gold Ratio</a:t>
+              <a:t>Ratio</a:t>
             </a:r>
           </a:p>
           <a:p>
@@ -7730,6 +7816,58 @@
           </a:p>
           <a:p>
             <a:endParaRPr lang="en-US" dirty="0"/>
+          </a:p>
+        </p:txBody>
+      </p:sp>
+      <p:sp>
+        <p:nvSpPr>
+          <p:cNvPr id="5" name="TextBox 4">
+            <a:extLst>
+              <a:ext uri="{FF2B5EF4-FFF2-40B4-BE49-F238E27FC236}">
+                <a16:creationId xmlns:a16="http://schemas.microsoft.com/office/drawing/2014/main" id="{E67766C4-B997-4668-8E0D-E441C35E8CCC}"/>
+              </a:ext>
+            </a:extLst>
+          </p:cNvPr>
+          <p:cNvSpPr txBox="1"/>
+          <p:nvPr/>
+        </p:nvSpPr>
+        <p:spPr>
+          <a:xfrm>
+            <a:off x="9395927" y="2733709"/>
+            <a:ext cx="1464906" cy="923330"/>
+          </a:xfrm>
+          <a:prstGeom prst="rect">
+            <a:avLst/>
+          </a:prstGeom>
+          <a:noFill/>
+        </p:spPr>
+        <p:txBody>
+          <a:bodyPr wrap="square" rtlCol="0">
+            <a:spAutoFit/>
+          </a:bodyPr>
+          <a:lstStyle/>
+          <a:p>
+            <a:r>
+              <a:rPr lang="en-US" dirty="0"/>
+              <a:t>Ben </a:t>
+            </a:r>
+            <a:r>
+              <a:rPr lang="en-US" dirty="0" err="1"/>
+              <a:t>Aubry</a:t>
+            </a:r>
+            <a:endParaRPr lang="en-US" dirty="0"/>
+          </a:p>
+          <a:p>
+            <a:r>
+              <a:rPr lang="en-US" dirty="0"/>
+              <a:t>Gary Fisher</a:t>
+            </a:r>
+          </a:p>
+          <a:p>
+            <a:r>
+              <a:rPr lang="en-US" dirty="0"/>
+              <a:t>Bruce Mark</a:t>
+            </a:r>
           </a:p>
         </p:txBody>
       </p:sp>
@@ -7747,6 +7885,110 @@
 </file>
 
 <file path=ppt/slides/slide2.xml><?xml version="1.0" encoding="utf-8"?>
+<p:sld xmlns:a="http://schemas.openxmlformats.org/drawingml/2006/main" xmlns:r="http://schemas.openxmlformats.org/officeDocument/2006/relationships" xmlns:p="http://schemas.openxmlformats.org/presentationml/2006/main">
+  <p:cSld>
+    <p:spTree>
+      <p:nvGrpSpPr>
+        <p:cNvPr id="1" name=""/>
+        <p:cNvGrpSpPr/>
+        <p:nvPr/>
+      </p:nvGrpSpPr>
+      <p:grpSpPr>
+        <a:xfrm>
+          <a:off x="0" y="0"/>
+          <a:ext cx="0" cy="0"/>
+          <a:chOff x="0" y="0"/>
+          <a:chExt cx="0" cy="0"/>
+        </a:xfrm>
+      </p:grpSpPr>
+      <p:sp>
+        <p:nvSpPr>
+          <p:cNvPr id="2" name="Title 1">
+            <a:extLst>
+              <a:ext uri="{FF2B5EF4-FFF2-40B4-BE49-F238E27FC236}">
+                <a16:creationId xmlns:a16="http://schemas.microsoft.com/office/drawing/2014/main" id="{7EBE3A37-2E1E-46AC-8577-F642D0814704}"/>
+              </a:ext>
+            </a:extLst>
+          </p:cNvPr>
+          <p:cNvSpPr>
+            <a:spLocks noGrp="1"/>
+          </p:cNvSpPr>
+          <p:nvPr>
+            <p:ph type="title"/>
+          </p:nvPr>
+        </p:nvSpPr>
+        <p:spPr/>
+        <p:txBody>
+          <a:bodyPr/>
+          <a:lstStyle/>
+          <a:p>
+            <a:r>
+              <a:rPr lang="en-US" dirty="0"/>
+              <a:t>Questions Asked?</a:t>
+            </a:r>
+          </a:p>
+        </p:txBody>
+      </p:sp>
+      <p:sp>
+        <p:nvSpPr>
+          <p:cNvPr id="3" name="Content Placeholder 2">
+            <a:extLst>
+              <a:ext uri="{FF2B5EF4-FFF2-40B4-BE49-F238E27FC236}">
+                <a16:creationId xmlns:a16="http://schemas.microsoft.com/office/drawing/2014/main" id="{AEA78755-E76C-4303-9F0B-74BD8A221740}"/>
+              </a:ext>
+            </a:extLst>
+          </p:cNvPr>
+          <p:cNvSpPr>
+            <a:spLocks noGrp="1"/>
+          </p:cNvSpPr>
+          <p:nvPr>
+            <p:ph idx="1"/>
+          </p:nvPr>
+        </p:nvSpPr>
+        <p:spPr/>
+        <p:txBody>
+          <a:bodyPr/>
+          <a:lstStyle/>
+          <a:p>
+            <a:r>
+              <a:rPr lang="en-US" dirty="0"/>
+              <a:t>With deeper analysis do each of these indicators prove to be a reliable indicator of an impending move in the S&amp;P 500?</a:t>
+            </a:r>
+          </a:p>
+          <a:p>
+            <a:endParaRPr lang="en-US" dirty="0"/>
+          </a:p>
+          <a:p>
+            <a:r>
+              <a:rPr lang="en-US" dirty="0"/>
+              <a:t>Can all three signals be used together to form a more reliable signal than each signal individually?</a:t>
+            </a:r>
+          </a:p>
+          <a:p>
+            <a:endParaRPr lang="en-US" dirty="0"/>
+          </a:p>
+          <a:p>
+            <a:r>
+              <a:rPr lang="en-US" dirty="0"/>
+              <a:t>Can the three signals be used together to indicate the strength of an upcoming market move in the S&amp;P 500?</a:t>
+            </a:r>
+          </a:p>
+        </p:txBody>
+      </p:sp>
+    </p:spTree>
+    <p:extLst>
+      <p:ext uri="{BB962C8B-B14F-4D97-AF65-F5344CB8AC3E}">
+        <p14:creationId xmlns:p14="http://schemas.microsoft.com/office/powerpoint/2010/main" val="307587776"/>
+      </p:ext>
+    </p:extLst>
+  </p:cSld>
+  <p:clrMapOvr>
+    <a:masterClrMapping/>
+  </p:clrMapOvr>
+</p:sld>
+</file>
+
+<file path=ppt/slides/slide3.xml><?xml version="1.0" encoding="utf-8"?>
 <p:sld xmlns:a="http://schemas.openxmlformats.org/drawingml/2006/main" xmlns:r="http://schemas.openxmlformats.org/officeDocument/2006/relationships" xmlns:p="http://schemas.openxmlformats.org/presentationml/2006/main">
   <p:cSld>
     <p:spTree>
